--- a/diplomPresentation.pptx
+++ b/diplomPresentation.pptx
@@ -3612,13 +3612,454 @@
                 </a:lnSpc>
               </a:pPr>
               <a:r>
-                <a:rPr lang="en-US" sz="2404">
-                  <a:solidFill>
-                    <a:srgbClr val="FFFFFF"/>
-                  </a:solidFill>
-                  <a:latin typeface="Evolventa"/>
-                </a:rPr>
-                <a:t>Данный сайт предлагает удобный интерфейс для выбора товаров. Так же сайт обеспечивает быстрый доступ к широкому ассортименту товаров, помогая пользователям легко найти то, что им нужно.</a:t>
+                <a:rPr lang="en-US" sz="2404" dirty="0" err="1">
+                  <a:solidFill>
+                    <a:srgbClr val="FFFFFF"/>
+                  </a:solidFill>
+                  <a:latin typeface="Evolventa"/>
+                </a:rPr>
+                <a:t>Данный</a:t>
+              </a:r>
+              <a:r>
+                <a:rPr lang="en-US" sz="2404" dirty="0">
+                  <a:solidFill>
+                    <a:srgbClr val="FFFFFF"/>
+                  </a:solidFill>
+                  <a:latin typeface="Evolventa"/>
+                </a:rPr>
+                <a:t> </a:t>
+              </a:r>
+              <a:r>
+                <a:rPr lang="en-US" sz="2404" dirty="0" err="1">
+                  <a:solidFill>
+                    <a:srgbClr val="FFFFFF"/>
+                  </a:solidFill>
+                  <a:latin typeface="Evolventa"/>
+                </a:rPr>
+                <a:t>сайт</a:t>
+              </a:r>
+              <a:r>
+                <a:rPr lang="en-US" sz="2404" dirty="0">
+                  <a:solidFill>
+                    <a:srgbClr val="FFFFFF"/>
+                  </a:solidFill>
+                  <a:latin typeface="Evolventa"/>
+                </a:rPr>
+                <a:t> </a:t>
+              </a:r>
+              <a:r>
+                <a:rPr lang="en-US" sz="2404" dirty="0" err="1">
+                  <a:solidFill>
+                    <a:srgbClr val="FFFFFF"/>
+                  </a:solidFill>
+                  <a:latin typeface="Evolventa"/>
+                </a:rPr>
+                <a:t>предлагает</a:t>
+              </a:r>
+              <a:r>
+                <a:rPr lang="en-US" sz="2404" dirty="0">
+                  <a:solidFill>
+                    <a:srgbClr val="FFFFFF"/>
+                  </a:solidFill>
+                  <a:latin typeface="Evolventa"/>
+                </a:rPr>
+                <a:t> </a:t>
+              </a:r>
+              <a:r>
+                <a:rPr lang="en-US" sz="2404" dirty="0" err="1">
+                  <a:solidFill>
+                    <a:srgbClr val="FFFFFF"/>
+                  </a:solidFill>
+                  <a:latin typeface="Evolventa"/>
+                </a:rPr>
+                <a:t>удобный</a:t>
+              </a:r>
+              <a:r>
+                <a:rPr lang="en-US" sz="2404" dirty="0">
+                  <a:solidFill>
+                    <a:srgbClr val="FFFFFF"/>
+                  </a:solidFill>
+                  <a:latin typeface="Evolventa"/>
+                </a:rPr>
+                <a:t> </a:t>
+              </a:r>
+              <a:r>
+                <a:rPr lang="en-US" sz="2404" dirty="0" err="1">
+                  <a:solidFill>
+                    <a:srgbClr val="FFFFFF"/>
+                  </a:solidFill>
+                  <a:latin typeface="Evolventa"/>
+                </a:rPr>
+                <a:t>интерфейс</a:t>
+              </a:r>
+              <a:r>
+                <a:rPr lang="en-US" sz="2404" dirty="0">
+                  <a:solidFill>
+                    <a:srgbClr val="FFFFFF"/>
+                  </a:solidFill>
+                  <a:latin typeface="Evolventa"/>
+                </a:rPr>
+                <a:t> </a:t>
+              </a:r>
+              <a:r>
+                <a:rPr lang="en-US" sz="2404" dirty="0" err="1">
+                  <a:solidFill>
+                    <a:srgbClr val="FFFFFF"/>
+                  </a:solidFill>
+                  <a:latin typeface="Evolventa"/>
+                </a:rPr>
+                <a:t>для</a:t>
+              </a:r>
+              <a:r>
+                <a:rPr lang="en-US" sz="2404" dirty="0">
+                  <a:solidFill>
+                    <a:srgbClr val="FFFFFF"/>
+                  </a:solidFill>
+                  <a:latin typeface="Evolventa"/>
+                </a:rPr>
+                <a:t> </a:t>
+              </a:r>
+              <a:r>
+                <a:rPr lang="en-US" sz="2404" dirty="0" err="1">
+                  <a:solidFill>
+                    <a:srgbClr val="FFFFFF"/>
+                  </a:solidFill>
+                  <a:latin typeface="Evolventa"/>
+                </a:rPr>
+                <a:t>выбора</a:t>
+              </a:r>
+              <a:r>
+                <a:rPr lang="en-US" sz="2404" dirty="0">
+                  <a:solidFill>
+                    <a:srgbClr val="FFFFFF"/>
+                  </a:solidFill>
+                  <a:latin typeface="Evolventa"/>
+                </a:rPr>
+                <a:t> </a:t>
+              </a:r>
+              <a:r>
+                <a:rPr lang="en-US" sz="2404" dirty="0" err="1">
+                  <a:solidFill>
+                    <a:srgbClr val="FFFFFF"/>
+                  </a:solidFill>
+                  <a:latin typeface="Evolventa"/>
+                </a:rPr>
+                <a:t>товаров</a:t>
+              </a:r>
+              <a:r>
+                <a:rPr lang="en-US" sz="2404" dirty="0">
+                  <a:solidFill>
+                    <a:srgbClr val="FFFFFF"/>
+                  </a:solidFill>
+                  <a:latin typeface="Evolventa"/>
+                </a:rPr>
+                <a:t>. </a:t>
+              </a:r>
+              <a:r>
+                <a:rPr lang="en-US" sz="2404" dirty="0" err="1">
+                  <a:solidFill>
+                    <a:srgbClr val="FFFFFF"/>
+                  </a:solidFill>
+                  <a:latin typeface="Evolventa"/>
+                </a:rPr>
+                <a:t>Так</a:t>
+              </a:r>
+              <a:r>
+                <a:rPr lang="en-US" sz="2404" dirty="0">
+                  <a:solidFill>
+                    <a:srgbClr val="FFFFFF"/>
+                  </a:solidFill>
+                  <a:latin typeface="Evolventa"/>
+                </a:rPr>
+                <a:t> </a:t>
+              </a:r>
+              <a:r>
+                <a:rPr lang="en-US" sz="2404" dirty="0" err="1">
+                  <a:solidFill>
+                    <a:srgbClr val="FFFFFF"/>
+                  </a:solidFill>
+                  <a:latin typeface="Evolventa"/>
+                </a:rPr>
+                <a:t>же</a:t>
+              </a:r>
+              <a:r>
+                <a:rPr lang="en-US" sz="2404" dirty="0">
+                  <a:solidFill>
+                    <a:srgbClr val="FFFFFF"/>
+                  </a:solidFill>
+                  <a:latin typeface="Evolventa"/>
+                </a:rPr>
+                <a:t> </a:t>
+              </a:r>
+              <a:r>
+                <a:rPr lang="en-US" sz="2404" dirty="0" err="1">
+                  <a:solidFill>
+                    <a:srgbClr val="FFFFFF"/>
+                  </a:solidFill>
+                  <a:latin typeface="Evolventa"/>
+                </a:rPr>
+                <a:t>сайт</a:t>
+              </a:r>
+              <a:r>
+                <a:rPr lang="en-US" sz="2404" dirty="0">
+                  <a:solidFill>
+                    <a:srgbClr val="FFFFFF"/>
+                  </a:solidFill>
+                  <a:latin typeface="Evolventa"/>
+                </a:rPr>
+                <a:t> </a:t>
+              </a:r>
+              <a:r>
+                <a:rPr lang="en-US" sz="2404" dirty="0" err="1">
+                  <a:solidFill>
+                    <a:srgbClr val="FFFFFF"/>
+                  </a:solidFill>
+                  <a:latin typeface="Evolventa"/>
+                </a:rPr>
+                <a:t>обеспечивает</a:t>
+              </a:r>
+              <a:r>
+                <a:rPr lang="en-US" sz="2404" dirty="0">
+                  <a:solidFill>
+                    <a:srgbClr val="FFFFFF"/>
+                  </a:solidFill>
+                  <a:latin typeface="Evolventa"/>
+                </a:rPr>
+                <a:t> </a:t>
+              </a:r>
+              <a:r>
+                <a:rPr lang="en-US" sz="2404" dirty="0" err="1">
+                  <a:solidFill>
+                    <a:srgbClr val="FFFFFF"/>
+                  </a:solidFill>
+                  <a:latin typeface="Evolventa"/>
+                </a:rPr>
+                <a:t>быстрый</a:t>
+              </a:r>
+              <a:r>
+                <a:rPr lang="en-US" sz="2404" dirty="0">
+                  <a:solidFill>
+                    <a:srgbClr val="FFFFFF"/>
+                  </a:solidFill>
+                  <a:latin typeface="Evolventa"/>
+                </a:rPr>
+                <a:t> </a:t>
+              </a:r>
+              <a:r>
+                <a:rPr lang="en-US" sz="2404" dirty="0" err="1">
+                  <a:solidFill>
+                    <a:srgbClr val="FFFFFF"/>
+                  </a:solidFill>
+                  <a:latin typeface="Evolventa"/>
+                </a:rPr>
+                <a:t>доступ</a:t>
+              </a:r>
+              <a:r>
+                <a:rPr lang="en-US" sz="2404" dirty="0">
+                  <a:solidFill>
+                    <a:srgbClr val="FFFFFF"/>
+                  </a:solidFill>
+                  <a:latin typeface="Evolventa"/>
+                </a:rPr>
+                <a:t> к </a:t>
+              </a:r>
+              <a:r>
+                <a:rPr lang="en-US" sz="2404" dirty="0" err="1">
+                  <a:solidFill>
+                    <a:srgbClr val="FFFFFF"/>
+                  </a:solidFill>
+                  <a:latin typeface="Evolventa"/>
+                </a:rPr>
+                <a:t>широкому</a:t>
+              </a:r>
+              <a:r>
+                <a:rPr lang="en-US" sz="2404" dirty="0">
+                  <a:solidFill>
+                    <a:srgbClr val="FFFFFF"/>
+                  </a:solidFill>
+                  <a:latin typeface="Evolventa"/>
+                </a:rPr>
+                <a:t> </a:t>
+              </a:r>
+              <a:r>
+                <a:rPr lang="en-US" sz="2404" dirty="0" err="1">
+                  <a:solidFill>
+                    <a:srgbClr val="FFFFFF"/>
+                  </a:solidFill>
+                  <a:latin typeface="Evolventa"/>
+                </a:rPr>
+                <a:t>ассортименту</a:t>
+              </a:r>
+              <a:r>
+                <a:rPr lang="en-US" sz="2404" dirty="0">
+                  <a:solidFill>
+                    <a:srgbClr val="FFFFFF"/>
+                  </a:solidFill>
+                  <a:latin typeface="Evolventa"/>
+                </a:rPr>
+                <a:t> </a:t>
+              </a:r>
+              <a:r>
+                <a:rPr lang="en-US" sz="2404" dirty="0" err="1">
+                  <a:solidFill>
+                    <a:srgbClr val="FFFFFF"/>
+                  </a:solidFill>
+                  <a:latin typeface="Evolventa"/>
+                </a:rPr>
+                <a:t>товаров</a:t>
+              </a:r>
+              <a:r>
+                <a:rPr lang="en-US" sz="2404" dirty="0">
+                  <a:solidFill>
+                    <a:srgbClr val="FFFFFF"/>
+                  </a:solidFill>
+                  <a:latin typeface="Evolventa"/>
+                </a:rPr>
+                <a:t>, </a:t>
+              </a:r>
+              <a:r>
+                <a:rPr lang="en-US" sz="2404" dirty="0" err="1">
+                  <a:solidFill>
+                    <a:srgbClr val="FFFFFF"/>
+                  </a:solidFill>
+                  <a:latin typeface="Evolventa"/>
+                </a:rPr>
+                <a:t>помогая</a:t>
+              </a:r>
+              <a:r>
+                <a:rPr lang="en-US" sz="2404" dirty="0">
+                  <a:solidFill>
+                    <a:srgbClr val="FFFFFF"/>
+                  </a:solidFill>
+                  <a:latin typeface="Evolventa"/>
+                </a:rPr>
+                <a:t> </a:t>
+              </a:r>
+              <a:r>
+                <a:rPr lang="en-US" sz="2404" dirty="0" err="1">
+                  <a:solidFill>
+                    <a:srgbClr val="FFFFFF"/>
+                  </a:solidFill>
+                  <a:latin typeface="Evolventa"/>
+                </a:rPr>
+                <a:t>пользователям</a:t>
+              </a:r>
+              <a:r>
+                <a:rPr lang="en-US" sz="2404" dirty="0">
+                  <a:solidFill>
+                    <a:srgbClr val="FFFFFF"/>
+                  </a:solidFill>
+                  <a:latin typeface="Evolventa"/>
+                </a:rPr>
+                <a:t> </a:t>
+              </a:r>
+              <a:r>
+                <a:rPr lang="en-US" sz="2404" dirty="0" err="1">
+                  <a:solidFill>
+                    <a:srgbClr val="FFFFFF"/>
+                  </a:solidFill>
+                  <a:latin typeface="Evolventa"/>
+                </a:rPr>
+                <a:t>легко</a:t>
+              </a:r>
+              <a:r>
+                <a:rPr lang="en-US" sz="2404" dirty="0">
+                  <a:solidFill>
+                    <a:srgbClr val="FFFFFF"/>
+                  </a:solidFill>
+                  <a:latin typeface="Evolventa"/>
+                </a:rPr>
+                <a:t> </a:t>
+              </a:r>
+              <a:r>
+                <a:rPr lang="en-US" sz="2404" dirty="0" err="1">
+                  <a:solidFill>
+                    <a:srgbClr val="FFFFFF"/>
+                  </a:solidFill>
+                  <a:latin typeface="Evolventa"/>
+                </a:rPr>
+                <a:t>найти</a:t>
+              </a:r>
+              <a:r>
+                <a:rPr lang="en-US" sz="2404" dirty="0">
+                  <a:solidFill>
+                    <a:srgbClr val="FFFFFF"/>
+                  </a:solidFill>
+                  <a:latin typeface="Evolventa"/>
+                </a:rPr>
+                <a:t> </a:t>
+              </a:r>
+              <a:r>
+                <a:rPr lang="en-US" sz="2404" dirty="0" err="1">
+                  <a:solidFill>
+                    <a:srgbClr val="FFFFFF"/>
+                  </a:solidFill>
+                  <a:latin typeface="Evolventa"/>
+                </a:rPr>
+                <a:t>то</a:t>
+              </a:r>
+              <a:r>
+                <a:rPr lang="en-US" sz="2404" dirty="0">
+                  <a:solidFill>
+                    <a:srgbClr val="FFFFFF"/>
+                  </a:solidFill>
+                  <a:latin typeface="Evolventa"/>
+                </a:rPr>
+                <a:t>, </a:t>
+              </a:r>
+              <a:r>
+                <a:rPr lang="en-US" sz="2404" dirty="0" err="1">
+                  <a:solidFill>
+                    <a:srgbClr val="FFFFFF"/>
+                  </a:solidFill>
+                  <a:latin typeface="Evolventa"/>
+                </a:rPr>
+                <a:t>что</a:t>
+              </a:r>
+              <a:r>
+                <a:rPr lang="en-US" sz="2404" dirty="0">
+                  <a:solidFill>
+                    <a:srgbClr val="FFFFFF"/>
+                  </a:solidFill>
+                  <a:latin typeface="Evolventa"/>
+                </a:rPr>
+                <a:t> </a:t>
+              </a:r>
+              <a:r>
+                <a:rPr lang="en-US" sz="2404" dirty="0" err="1">
+                  <a:solidFill>
+                    <a:srgbClr val="FFFFFF"/>
+                  </a:solidFill>
+                  <a:latin typeface="Evolventa"/>
+                </a:rPr>
+                <a:t>им</a:t>
+              </a:r>
+              <a:r>
+                <a:rPr lang="en-US" sz="2404" dirty="0">
+                  <a:solidFill>
+                    <a:srgbClr val="FFFFFF"/>
+                  </a:solidFill>
+                  <a:latin typeface="Evolventa"/>
+                </a:rPr>
+                <a:t> </a:t>
+              </a:r>
+              <a:r>
+                <a:rPr lang="en-US" sz="2404" dirty="0" err="1">
+                  <a:solidFill>
+                    <a:srgbClr val="FFFFFF"/>
+                  </a:solidFill>
+                  <a:latin typeface="Evolventa"/>
+                </a:rPr>
+                <a:t>нужно</a:t>
+              </a:r>
+              <a:r>
+                <a:rPr lang="en-US" sz="2404" dirty="0">
+                  <a:solidFill>
+                    <a:srgbClr val="FFFFFF"/>
+                  </a:solidFill>
+                  <a:latin typeface="Evolventa"/>
+                </a:rPr>
+                <a:t>.</a:t>
               </a:r>
             </a:p>
           </p:txBody>
@@ -4376,13 +4817,130 @@
                 </a:lnSpc>
               </a:pPr>
               <a:r>
-                <a:rPr lang="en-US" sz="2340">
-                  <a:solidFill>
-                    <a:srgbClr val="FFFFFF"/>
-                  </a:solidFill>
-                  <a:latin typeface="Evolventa"/>
-                </a:rPr>
-                <a:t>Все предложенне продукты уже сформированы по категориям.</a:t>
+                <a:rPr lang="en-US" sz="2340" dirty="0" err="1">
+                  <a:solidFill>
+                    <a:srgbClr val="FFFFFF"/>
+                  </a:solidFill>
+                  <a:latin typeface="Evolventa"/>
+                </a:rPr>
+                <a:t>Все</a:t>
+              </a:r>
+              <a:r>
+                <a:rPr lang="en-US" sz="2340" dirty="0">
+                  <a:solidFill>
+                    <a:srgbClr val="FFFFFF"/>
+                  </a:solidFill>
+                  <a:latin typeface="Evolventa"/>
+                </a:rPr>
+                <a:t> </a:t>
+              </a:r>
+              <a:r>
+                <a:rPr lang="en-US" sz="2340" dirty="0" err="1">
+                  <a:solidFill>
+                    <a:srgbClr val="FFFFFF"/>
+                  </a:solidFill>
+                  <a:latin typeface="Evolventa"/>
+                </a:rPr>
+                <a:t>предложенне</a:t>
+              </a:r>
+              <a:r>
+                <a:rPr lang="en-US" sz="2340" dirty="0">
+                  <a:solidFill>
+                    <a:srgbClr val="FFFFFF"/>
+                  </a:solidFill>
+                  <a:latin typeface="Evolventa"/>
+                </a:rPr>
+                <a:t> </a:t>
+              </a:r>
+              <a:r>
+                <a:rPr lang="en-US" sz="2340" dirty="0" err="1">
+                  <a:solidFill>
+                    <a:srgbClr val="FFFFFF"/>
+                  </a:solidFill>
+                  <a:latin typeface="Evolventa"/>
+                </a:rPr>
+                <a:t>продукты</a:t>
+              </a:r>
+              <a:r>
+                <a:rPr lang="en-US" sz="2340" dirty="0">
+                  <a:solidFill>
+                    <a:srgbClr val="FFFFFF"/>
+                  </a:solidFill>
+                  <a:latin typeface="Evolventa"/>
+                </a:rPr>
+                <a:t> </a:t>
+              </a:r>
+              <a:r>
+                <a:rPr lang="en-US" sz="2340" dirty="0" err="1">
+                  <a:solidFill>
+                    <a:srgbClr val="FFFFFF"/>
+                  </a:solidFill>
+                  <a:latin typeface="Evolventa"/>
+                </a:rPr>
+                <a:t>уже</a:t>
+              </a:r>
+              <a:r>
+                <a:rPr lang="en-US" sz="2340" dirty="0">
+                  <a:solidFill>
+                    <a:srgbClr val="FFFFFF"/>
+                  </a:solidFill>
+                  <a:latin typeface="Evolventa"/>
+                </a:rPr>
+                <a:t> </a:t>
+              </a:r>
+              <a:r>
+                <a:rPr lang="en-US" sz="2340" dirty="0" err="1">
+                  <a:solidFill>
+                    <a:srgbClr val="FFFFFF"/>
+                  </a:solidFill>
+                  <a:latin typeface="Evolventa"/>
+                </a:rPr>
+                <a:t>сформированы</a:t>
+              </a:r>
+              <a:r>
+                <a:rPr lang="en-US" sz="2340" dirty="0">
+                  <a:solidFill>
+                    <a:srgbClr val="FFFFFF"/>
+                  </a:solidFill>
+                  <a:latin typeface="Evolventa"/>
+                </a:rPr>
+                <a:t> </a:t>
+              </a:r>
+              <a:r>
+                <a:rPr lang="en-US" sz="2340" dirty="0" err="1">
+                  <a:solidFill>
+                    <a:srgbClr val="FFFFFF"/>
+                  </a:solidFill>
+                  <a:latin typeface="Evolventa"/>
+                </a:rPr>
+                <a:t>по</a:t>
+              </a:r>
+              <a:r>
+                <a:rPr lang="en-US" sz="2340" dirty="0">
+                  <a:solidFill>
+                    <a:srgbClr val="FFFFFF"/>
+                  </a:solidFill>
+                  <a:latin typeface="Evolventa"/>
+                </a:rPr>
+                <a:t> </a:t>
+              </a:r>
+              <a:r>
+                <a:rPr lang="en-US" sz="2340" dirty="0" err="1">
+                  <a:solidFill>
+                    <a:srgbClr val="FFFFFF"/>
+                  </a:solidFill>
+                  <a:latin typeface="Evolventa"/>
+                </a:rPr>
+                <a:t>категориям</a:t>
+              </a:r>
+              <a:r>
+                <a:rPr lang="en-US" sz="2340" dirty="0">
+                  <a:solidFill>
+                    <a:srgbClr val="FFFFFF"/>
+                  </a:solidFill>
+                  <a:latin typeface="Evolventa"/>
+                </a:rPr>
+                <a:t>.</a:t>
               </a:r>
             </a:p>
           </p:txBody>
@@ -4467,13 +5025,76 @@
                 </a:lnSpc>
               </a:pPr>
               <a:r>
-                <a:rPr lang="en-US" sz="2340">
-                  <a:solidFill>
-                    <a:srgbClr val="FFFFFF"/>
-                  </a:solidFill>
-                  <a:latin typeface="Evolventa"/>
-                </a:rPr>
-                <a:t>Предоставляет ряд своих продуктов.</a:t>
+                <a:rPr lang="en-US" sz="2340" dirty="0" err="1">
+                  <a:solidFill>
+                    <a:srgbClr val="FFFFFF"/>
+                  </a:solidFill>
+                  <a:latin typeface="Evolventa"/>
+                </a:rPr>
+                <a:t>Предоставляет</a:t>
+              </a:r>
+              <a:r>
+                <a:rPr lang="en-US" sz="2340" dirty="0">
+                  <a:solidFill>
+                    <a:srgbClr val="FFFFFF"/>
+                  </a:solidFill>
+                  <a:latin typeface="Evolventa"/>
+                </a:rPr>
+                <a:t> </a:t>
+              </a:r>
+              <a:r>
+                <a:rPr lang="en-US" sz="2340" dirty="0" err="1">
+                  <a:solidFill>
+                    <a:srgbClr val="FFFFFF"/>
+                  </a:solidFill>
+                  <a:latin typeface="Evolventa"/>
+                </a:rPr>
+                <a:t>ряд</a:t>
+              </a:r>
+              <a:r>
+                <a:rPr lang="en-US" sz="2340" dirty="0">
+                  <a:solidFill>
+                    <a:srgbClr val="FFFFFF"/>
+                  </a:solidFill>
+                  <a:latin typeface="Evolventa"/>
+                </a:rPr>
+                <a:t> </a:t>
+              </a:r>
+              <a:r>
+                <a:rPr lang="en-US" sz="2340" dirty="0" err="1">
+                  <a:solidFill>
+                    <a:srgbClr val="FFFFFF"/>
+                  </a:solidFill>
+                  <a:latin typeface="Evolventa"/>
+                </a:rPr>
+                <a:t>своих</a:t>
+              </a:r>
+              <a:r>
+                <a:rPr lang="en-US" sz="2340" dirty="0">
+                  <a:solidFill>
+                    <a:srgbClr val="FFFFFF"/>
+                  </a:solidFill>
+                  <a:latin typeface="Evolventa"/>
+                </a:rPr>
+                <a:t> </a:t>
+              </a:r>
+              <a:r>
+                <a:rPr lang="en-US" sz="2340" dirty="0" err="1">
+                  <a:solidFill>
+                    <a:srgbClr val="FFFFFF"/>
+                  </a:solidFill>
+                  <a:latin typeface="Evolventa"/>
+                </a:rPr>
+                <a:t>продуктов</a:t>
+              </a:r>
+              <a:r>
+                <a:rPr lang="en-US" sz="2340" dirty="0">
+                  <a:solidFill>
+                    <a:srgbClr val="FFFFFF"/>
+                  </a:solidFill>
+                  <a:latin typeface="Evolventa"/>
+                </a:rPr>
+                <a:t>.</a:t>
               </a:r>
             </a:p>
           </p:txBody>
@@ -4558,13 +5179,94 @@
                 </a:lnSpc>
               </a:pPr>
               <a:r>
-                <a:rPr lang="en-US" sz="1933">
-                  <a:solidFill>
-                    <a:srgbClr val="FFFFFF"/>
-                  </a:solidFill>
-                  <a:latin typeface="Evolventa"/>
-                </a:rPr>
-                <a:t>Предоставляет свою логику поиска товаров.</a:t>
+                <a:rPr lang="en-US" sz="1933" dirty="0" err="1">
+                  <a:solidFill>
+                    <a:srgbClr val="FFFFFF"/>
+                  </a:solidFill>
+                  <a:latin typeface="Evolventa"/>
+                </a:rPr>
+                <a:t>Предоставляет</a:t>
+              </a:r>
+              <a:r>
+                <a:rPr lang="en-US" sz="1933" dirty="0">
+                  <a:solidFill>
+                    <a:srgbClr val="FFFFFF"/>
+                  </a:solidFill>
+                  <a:latin typeface="Evolventa"/>
+                </a:rPr>
+                <a:t> </a:t>
+              </a:r>
+              <a:r>
+                <a:rPr lang="en-US" sz="1933" dirty="0" err="1">
+                  <a:solidFill>
+                    <a:srgbClr val="FFFFFF"/>
+                  </a:solidFill>
+                  <a:latin typeface="Evolventa"/>
+                </a:rPr>
+                <a:t>свою</a:t>
+              </a:r>
+              <a:r>
+                <a:rPr lang="en-US" sz="1933" dirty="0">
+                  <a:solidFill>
+                    <a:srgbClr val="FFFFFF"/>
+                  </a:solidFill>
+                  <a:latin typeface="Evolventa"/>
+                </a:rPr>
+                <a:t> </a:t>
+              </a:r>
+              <a:r>
+                <a:rPr lang="en-US" sz="1933" dirty="0" err="1">
+                  <a:solidFill>
+                    <a:srgbClr val="FFFFFF"/>
+                  </a:solidFill>
+                  <a:latin typeface="Evolventa"/>
+                </a:rPr>
+                <a:t>логику</a:t>
+              </a:r>
+              <a:r>
+                <a:rPr lang="en-US" sz="1933" dirty="0">
+                  <a:solidFill>
+                    <a:srgbClr val="FFFFFF"/>
+                  </a:solidFill>
+                  <a:latin typeface="Evolventa"/>
+                </a:rPr>
+                <a:t> </a:t>
+              </a:r>
+              <a:r>
+                <a:rPr lang="en-US" sz="1933" dirty="0" err="1">
+                  <a:solidFill>
+                    <a:srgbClr val="FFFFFF"/>
+                  </a:solidFill>
+                  <a:latin typeface="Evolventa"/>
+                </a:rPr>
+                <a:t>поиска</a:t>
+              </a:r>
+              <a:r>
+                <a:rPr lang="en-US" sz="1933" dirty="0">
+                  <a:solidFill>
+                    <a:srgbClr val="FFFFFF"/>
+                  </a:solidFill>
+                  <a:latin typeface="Evolventa"/>
+                </a:rPr>
+                <a:t> </a:t>
+              </a:r>
+              <a:r>
+                <a:rPr lang="en-US" sz="1933" dirty="0" err="1">
+                  <a:solidFill>
+                    <a:srgbClr val="FFFFFF"/>
+                  </a:solidFill>
+                  <a:latin typeface="Evolventa"/>
+                </a:rPr>
+                <a:t>товаров</a:t>
+              </a:r>
+              <a:r>
+                <a:rPr lang="en-US" sz="1933" dirty="0">
+                  <a:solidFill>
+                    <a:srgbClr val="FFFFFF"/>
+                  </a:solidFill>
+                  <a:latin typeface="Evolventa"/>
+                </a:rPr>
+                <a:t>.</a:t>
               </a:r>
             </a:p>
           </p:txBody>
@@ -4649,13 +5351,220 @@
                 </a:lnSpc>
               </a:pPr>
               <a:r>
-                <a:rPr lang="en-US" sz="1865">
-                  <a:solidFill>
-                    <a:srgbClr val="FFFFFF"/>
-                  </a:solidFill>
-                  <a:latin typeface="Evolventa"/>
-                </a:rPr>
-                <a:t>Регистрация на сайте это не просто обложка. Ваши данные сохраняются на серевере API.</a:t>
+                <a:rPr lang="en-US" sz="1865" dirty="0" err="1">
+                  <a:solidFill>
+                    <a:srgbClr val="FFFFFF"/>
+                  </a:solidFill>
+                  <a:latin typeface="Evolventa"/>
+                </a:rPr>
+                <a:t>Регистрация</a:t>
+              </a:r>
+              <a:r>
+                <a:rPr lang="en-US" sz="1865" dirty="0">
+                  <a:solidFill>
+                    <a:srgbClr val="FFFFFF"/>
+                  </a:solidFill>
+                  <a:latin typeface="Evolventa"/>
+                </a:rPr>
+                <a:t> </a:t>
+              </a:r>
+              <a:r>
+                <a:rPr lang="en-US" sz="1865" dirty="0" err="1">
+                  <a:solidFill>
+                    <a:srgbClr val="FFFFFF"/>
+                  </a:solidFill>
+                  <a:latin typeface="Evolventa"/>
+                </a:rPr>
+                <a:t>на</a:t>
+              </a:r>
+              <a:r>
+                <a:rPr lang="en-US" sz="1865" dirty="0">
+                  <a:solidFill>
+                    <a:srgbClr val="FFFFFF"/>
+                  </a:solidFill>
+                  <a:latin typeface="Evolventa"/>
+                </a:rPr>
+                <a:t> </a:t>
+              </a:r>
+              <a:r>
+                <a:rPr lang="en-US" sz="1865" dirty="0" err="1">
+                  <a:solidFill>
+                    <a:srgbClr val="FFFFFF"/>
+                  </a:solidFill>
+                  <a:latin typeface="Evolventa"/>
+                </a:rPr>
+                <a:t>сайте</a:t>
+              </a:r>
+              <a:r>
+                <a:rPr lang="en-US" sz="1865" dirty="0">
+                  <a:solidFill>
+                    <a:srgbClr val="FFFFFF"/>
+                  </a:solidFill>
+                  <a:latin typeface="Evolventa"/>
+                </a:rPr>
+                <a:t> </a:t>
+              </a:r>
+              <a:r>
+                <a:rPr lang="en-US" sz="1865" dirty="0" err="1">
+                  <a:solidFill>
+                    <a:srgbClr val="FFFFFF"/>
+                  </a:solidFill>
+                  <a:latin typeface="Evolventa"/>
+                </a:rPr>
+                <a:t>это</a:t>
+              </a:r>
+              <a:r>
+                <a:rPr lang="en-US" sz="1865" dirty="0">
+                  <a:solidFill>
+                    <a:srgbClr val="FFFFFF"/>
+                  </a:solidFill>
+                  <a:latin typeface="Evolventa"/>
+                </a:rPr>
+                <a:t> </a:t>
+              </a:r>
+              <a:r>
+                <a:rPr lang="en-US" sz="1865" dirty="0" err="1">
+                  <a:solidFill>
+                    <a:srgbClr val="FFFFFF"/>
+                  </a:solidFill>
+                  <a:latin typeface="Evolventa"/>
+                </a:rPr>
+                <a:t>не</a:t>
+              </a:r>
+              <a:r>
+                <a:rPr lang="en-US" sz="1865" dirty="0">
+                  <a:solidFill>
+                    <a:srgbClr val="FFFFFF"/>
+                  </a:solidFill>
+                  <a:latin typeface="Evolventa"/>
+                </a:rPr>
+                <a:t> </a:t>
+              </a:r>
+              <a:r>
+                <a:rPr lang="en-US" sz="1865" dirty="0" err="1">
+                  <a:solidFill>
+                    <a:srgbClr val="FFFFFF"/>
+                  </a:solidFill>
+                  <a:latin typeface="Evolventa"/>
+                </a:rPr>
+                <a:t>просто</a:t>
+              </a:r>
+              <a:r>
+                <a:rPr lang="en-US" sz="1865" dirty="0">
+                  <a:solidFill>
+                    <a:srgbClr val="FFFFFF"/>
+                  </a:solidFill>
+                  <a:latin typeface="Evolventa"/>
+                </a:rPr>
+                <a:t> </a:t>
+              </a:r>
+              <a:r>
+                <a:rPr lang="en-US" sz="1865" dirty="0" err="1">
+                  <a:solidFill>
+                    <a:srgbClr val="FFFFFF"/>
+                  </a:solidFill>
+                  <a:latin typeface="Evolventa"/>
+                </a:rPr>
+                <a:t>обложка</a:t>
+              </a:r>
+              <a:r>
+                <a:rPr lang="en-US" sz="1865" dirty="0">
+                  <a:solidFill>
+                    <a:srgbClr val="FFFFFF"/>
+                  </a:solidFill>
+                  <a:latin typeface="Evolventa"/>
+                </a:rPr>
+                <a:t>. </a:t>
+              </a:r>
+              <a:r>
+                <a:rPr lang="en-US" sz="1865" dirty="0" err="1">
+                  <a:solidFill>
+                    <a:srgbClr val="FFFFFF"/>
+                  </a:solidFill>
+                  <a:latin typeface="Evolventa"/>
+                </a:rPr>
+                <a:t>Ваши</a:t>
+              </a:r>
+              <a:r>
+                <a:rPr lang="en-US" sz="1865" dirty="0">
+                  <a:solidFill>
+                    <a:srgbClr val="FFFFFF"/>
+                  </a:solidFill>
+                  <a:latin typeface="Evolventa"/>
+                </a:rPr>
+                <a:t> </a:t>
+              </a:r>
+              <a:r>
+                <a:rPr lang="en-US" sz="1865" dirty="0" err="1">
+                  <a:solidFill>
+                    <a:srgbClr val="FFFFFF"/>
+                  </a:solidFill>
+                  <a:latin typeface="Evolventa"/>
+                </a:rPr>
+                <a:t>данные</a:t>
+              </a:r>
+              <a:r>
+                <a:rPr lang="en-US" sz="1865" dirty="0">
+                  <a:solidFill>
+                    <a:srgbClr val="FFFFFF"/>
+                  </a:solidFill>
+                  <a:latin typeface="Evolventa"/>
+                </a:rPr>
+                <a:t> </a:t>
+              </a:r>
+              <a:r>
+                <a:rPr lang="en-US" sz="1865" dirty="0" err="1">
+                  <a:solidFill>
+                    <a:srgbClr val="FFFFFF"/>
+                  </a:solidFill>
+                  <a:latin typeface="Evolventa"/>
+                </a:rPr>
+                <a:t>сохраняются</a:t>
+              </a:r>
+              <a:r>
+                <a:rPr lang="en-US" sz="1865" dirty="0">
+                  <a:solidFill>
+                    <a:srgbClr val="FFFFFF"/>
+                  </a:solidFill>
+                  <a:latin typeface="Evolventa"/>
+                </a:rPr>
+                <a:t> </a:t>
+              </a:r>
+              <a:r>
+                <a:rPr lang="en-US" sz="1865" dirty="0" err="1">
+                  <a:solidFill>
+                    <a:srgbClr val="FFFFFF"/>
+                  </a:solidFill>
+                  <a:latin typeface="Evolventa"/>
+                </a:rPr>
+                <a:t>на</a:t>
+              </a:r>
+              <a:r>
+                <a:rPr lang="en-US" sz="1865" dirty="0">
+                  <a:solidFill>
+                    <a:srgbClr val="FFFFFF"/>
+                  </a:solidFill>
+                  <a:latin typeface="Evolventa"/>
+                </a:rPr>
+                <a:t> </a:t>
+              </a:r>
+              <a:r>
+                <a:rPr lang="en-US" sz="1865" dirty="0" err="1">
+                  <a:solidFill>
+                    <a:srgbClr val="FFFFFF"/>
+                  </a:solidFill>
+                  <a:latin typeface="Evolventa"/>
+                </a:rPr>
+                <a:t>серевере</a:t>
+              </a:r>
+              <a:r>
+                <a:rPr lang="en-US" sz="1865" dirty="0">
+                  <a:solidFill>
+                    <a:srgbClr val="FFFFFF"/>
+                  </a:solidFill>
+                  <a:latin typeface="Evolventa"/>
+                </a:rPr>
+                <a:t> API.</a:t>
               </a:r>
             </a:p>
           </p:txBody>
@@ -4740,13 +5649,130 @@
                 </a:lnSpc>
               </a:pPr>
               <a:r>
-                <a:rPr lang="en-US" sz="2221">
-                  <a:solidFill>
-                    <a:srgbClr val="FFFFFF"/>
-                  </a:solidFill>
-                  <a:latin typeface="Evolventa"/>
-                </a:rPr>
-                <a:t>Все изображения и описания продуктов сгенерированы исскуственным интеллектом.</a:t>
+                <a:rPr lang="en-US" sz="2221" dirty="0" err="1">
+                  <a:solidFill>
+                    <a:srgbClr val="FFFFFF"/>
+                  </a:solidFill>
+                  <a:latin typeface="Evolventa"/>
+                </a:rPr>
+                <a:t>Все</a:t>
+              </a:r>
+              <a:r>
+                <a:rPr lang="en-US" sz="2221" dirty="0">
+                  <a:solidFill>
+                    <a:srgbClr val="FFFFFF"/>
+                  </a:solidFill>
+                  <a:latin typeface="Evolventa"/>
+                </a:rPr>
+                <a:t> </a:t>
+              </a:r>
+              <a:r>
+                <a:rPr lang="en-US" sz="2221" dirty="0" err="1">
+                  <a:solidFill>
+                    <a:srgbClr val="FFFFFF"/>
+                  </a:solidFill>
+                  <a:latin typeface="Evolventa"/>
+                </a:rPr>
+                <a:t>изображения</a:t>
+              </a:r>
+              <a:r>
+                <a:rPr lang="en-US" sz="2221" dirty="0">
+                  <a:solidFill>
+                    <a:srgbClr val="FFFFFF"/>
+                  </a:solidFill>
+                  <a:latin typeface="Evolventa"/>
+                </a:rPr>
+                <a:t> и </a:t>
+              </a:r>
+              <a:r>
+                <a:rPr lang="en-US" sz="2221" dirty="0" err="1">
+                  <a:solidFill>
+                    <a:srgbClr val="FFFFFF"/>
+                  </a:solidFill>
+                  <a:latin typeface="Evolventa"/>
+                </a:rPr>
+                <a:t>описания</a:t>
+              </a:r>
+              <a:r>
+                <a:rPr lang="en-US" sz="2221" dirty="0">
+                  <a:solidFill>
+                    <a:srgbClr val="FFFFFF"/>
+                  </a:solidFill>
+                  <a:latin typeface="Evolventa"/>
+                </a:rPr>
+                <a:t> </a:t>
+              </a:r>
+              <a:r>
+                <a:rPr lang="en-US" sz="2221" dirty="0" err="1">
+                  <a:solidFill>
+                    <a:srgbClr val="FFFFFF"/>
+                  </a:solidFill>
+                  <a:latin typeface="Evolventa"/>
+                </a:rPr>
+                <a:t>продуктов</a:t>
+              </a:r>
+              <a:r>
+                <a:rPr lang="en-US" sz="2221" dirty="0">
+                  <a:solidFill>
+                    <a:srgbClr val="FFFFFF"/>
+                  </a:solidFill>
+                  <a:latin typeface="Evolventa"/>
+                </a:rPr>
+                <a:t> </a:t>
+              </a:r>
+              <a:r>
+                <a:rPr lang="en-US" sz="2221" dirty="0" err="1">
+                  <a:solidFill>
+                    <a:srgbClr val="FFFFFF"/>
+                  </a:solidFill>
+                  <a:latin typeface="Evolventa"/>
+                </a:rPr>
+                <a:t>сгенерированы</a:t>
+              </a:r>
+              <a:r>
+                <a:rPr lang="en-US" sz="2221" dirty="0">
+                  <a:solidFill>
+                    <a:srgbClr val="FFFFFF"/>
+                  </a:solidFill>
+                  <a:latin typeface="Evolventa"/>
+                </a:rPr>
+                <a:t> </a:t>
+              </a:r>
+              <a:r>
+                <a:rPr lang="en-US" sz="2221" dirty="0" err="1">
+                  <a:solidFill>
+                    <a:srgbClr val="FFFFFF"/>
+                  </a:solidFill>
+                  <a:latin typeface="Evolventa"/>
+                </a:rPr>
+                <a:t>исскуственным</a:t>
+              </a:r>
+              <a:r>
+                <a:rPr lang="en-US" sz="2221" dirty="0">
+                  <a:solidFill>
+                    <a:srgbClr val="FFFFFF"/>
+                  </a:solidFill>
+                  <a:latin typeface="Evolventa"/>
+                </a:rPr>
+                <a:t> </a:t>
+              </a:r>
+              <a:r>
+                <a:rPr lang="en-US" sz="2221" dirty="0" err="1">
+                  <a:solidFill>
+                    <a:srgbClr val="FFFFFF"/>
+                  </a:solidFill>
+                  <a:latin typeface="Evolventa"/>
+                </a:rPr>
+                <a:t>интеллектом</a:t>
+              </a:r>
+              <a:r>
+                <a:rPr lang="en-US" sz="2221" dirty="0">
+                  <a:solidFill>
+                    <a:srgbClr val="FFFFFF"/>
+                  </a:solidFill>
+                  <a:latin typeface="Evolventa"/>
+                </a:rPr>
+                <a:t>.</a:t>
               </a:r>
             </a:p>
           </p:txBody>
@@ -5133,14 +6159,56 @@
               </a:spcBef>
             </a:pPr>
             <a:r>
-              <a:rPr lang="en-US" sz="2599">
+              <a:rPr lang="en-US" sz="2599" dirty="0" err="1">
                 <a:solidFill>
                   <a:srgbClr val="FFFFFF"/>
                 </a:solidFill>
                 <a:latin typeface="Evolventa"/>
               </a:rPr>
-              <a:t>Система регистрации и авторизации</a:t>
-            </a:r>
+              <a:t>Система</a:t>
+            </a:r>
+            <a:r>
+              <a:rPr lang="en-US" sz="2599" dirty="0">
+                <a:solidFill>
+                  <a:srgbClr val="FFFFFF"/>
+                </a:solidFill>
+                <a:latin typeface="Evolventa"/>
+              </a:rPr>
+              <a:t> </a:t>
+            </a:r>
+            <a:r>
+              <a:rPr lang="en-US" sz="2599" dirty="0" err="1">
+                <a:solidFill>
+                  <a:srgbClr val="FFFFFF"/>
+                </a:solidFill>
+                <a:latin typeface="Evolventa"/>
+              </a:rPr>
+              <a:t>регистрации</a:t>
+            </a:r>
+            <a:r>
+              <a:rPr lang="en-US" sz="2599" dirty="0">
+                <a:solidFill>
+                  <a:srgbClr val="FFFFFF"/>
+                </a:solidFill>
+                <a:latin typeface="Evolventa"/>
+              </a:rPr>
+              <a:t> и </a:t>
+            </a:r>
+            <a:r>
+              <a:rPr lang="en-US" sz="2599" dirty="0" err="1">
+                <a:solidFill>
+                  <a:srgbClr val="FFFFFF"/>
+                </a:solidFill>
+                <a:latin typeface="Evolventa"/>
+              </a:rPr>
+              <a:t>авторизации</a:t>
+            </a:r>
+            <a:endParaRPr lang="en-US" sz="2599" dirty="0">
+              <a:solidFill>
+                <a:srgbClr val="FFFFFF"/>
+              </a:solidFill>
+              <a:latin typeface="Evolventa"/>
+            </a:endParaRPr>
           </a:p>
         </p:txBody>
       </p:sp>
@@ -5174,14 +6242,74 @@
               </a:spcBef>
             </a:pPr>
             <a:r>
-              <a:rPr lang="en-US" sz="2599">
+              <a:rPr lang="en-US" sz="2599" dirty="0" err="1">
                 <a:solidFill>
                   <a:srgbClr val="FFFFFF"/>
                 </a:solidFill>
                 <a:latin typeface="Evolventa"/>
               </a:rPr>
-              <a:t>Поиск товаров по названию</a:t>
-            </a:r>
+              <a:t>Поиск</a:t>
+            </a:r>
+            <a:r>
+              <a:rPr lang="en-US" sz="2599" dirty="0">
+                <a:solidFill>
+                  <a:srgbClr val="FFFFFF"/>
+                </a:solidFill>
+                <a:latin typeface="Evolventa"/>
+              </a:rPr>
+              <a:t> </a:t>
+            </a:r>
+            <a:r>
+              <a:rPr lang="en-US" sz="2599" dirty="0" err="1">
+                <a:solidFill>
+                  <a:srgbClr val="FFFFFF"/>
+                </a:solidFill>
+                <a:latin typeface="Evolventa"/>
+              </a:rPr>
+              <a:t>товаров</a:t>
+            </a:r>
+            <a:r>
+              <a:rPr lang="en-US" sz="2599" dirty="0">
+                <a:solidFill>
+                  <a:srgbClr val="FFFFFF"/>
+                </a:solidFill>
+                <a:latin typeface="Evolventa"/>
+              </a:rPr>
+              <a:t> </a:t>
+            </a:r>
+            <a:r>
+              <a:rPr lang="en-US" sz="2599" dirty="0" err="1">
+                <a:solidFill>
+                  <a:srgbClr val="FFFFFF"/>
+                </a:solidFill>
+                <a:latin typeface="Evolventa"/>
+              </a:rPr>
+              <a:t>по</a:t>
+            </a:r>
+            <a:r>
+              <a:rPr lang="en-US" sz="2599" dirty="0">
+                <a:solidFill>
+                  <a:srgbClr val="FFFFFF"/>
+                </a:solidFill>
+                <a:latin typeface="Evolventa"/>
+              </a:rPr>
+              <a:t> </a:t>
+            </a:r>
+            <a:r>
+              <a:rPr lang="en-US" sz="2599" dirty="0" err="1">
+                <a:solidFill>
+                  <a:srgbClr val="FFFFFF"/>
+                </a:solidFill>
+                <a:latin typeface="Evolventa"/>
+              </a:rPr>
+              <a:t>названию</a:t>
+            </a:r>
+            <a:endParaRPr lang="en-US" sz="2599" dirty="0">
+              <a:solidFill>
+                <a:srgbClr val="FFFFFF"/>
+              </a:solidFill>
+              <a:latin typeface="Evolventa"/>
+            </a:endParaRPr>
           </a:p>
         </p:txBody>
       </p:sp>
@@ -5212,14 +6340,56 @@
               </a:lnSpc>
             </a:pPr>
             <a:r>
-              <a:rPr lang="en-US" sz="2599">
+              <a:rPr lang="en-US" sz="2599" dirty="0" err="1">
                 <a:solidFill>
                   <a:srgbClr val="FFFFFF"/>
                 </a:solidFill>
                 <a:latin typeface="Evolventa"/>
               </a:rPr>
-              <a:t>Добавление товаров в корзину</a:t>
-            </a:r>
+              <a:t>Добавление</a:t>
+            </a:r>
+            <a:r>
+              <a:rPr lang="en-US" sz="2599" dirty="0">
+                <a:solidFill>
+                  <a:srgbClr val="FFFFFF"/>
+                </a:solidFill>
+                <a:latin typeface="Evolventa"/>
+              </a:rPr>
+              <a:t> </a:t>
+            </a:r>
+            <a:r>
+              <a:rPr lang="en-US" sz="2599" dirty="0" err="1">
+                <a:solidFill>
+                  <a:srgbClr val="FFFFFF"/>
+                </a:solidFill>
+                <a:latin typeface="Evolventa"/>
+              </a:rPr>
+              <a:t>товаров</a:t>
+            </a:r>
+            <a:r>
+              <a:rPr lang="en-US" sz="2599" dirty="0">
+                <a:solidFill>
+                  <a:srgbClr val="FFFFFF"/>
+                </a:solidFill>
+                <a:latin typeface="Evolventa"/>
+              </a:rPr>
+              <a:t> в </a:t>
+            </a:r>
+            <a:r>
+              <a:rPr lang="en-US" sz="2599" dirty="0" err="1">
+                <a:solidFill>
+                  <a:srgbClr val="FFFFFF"/>
+                </a:solidFill>
+                <a:latin typeface="Evolventa"/>
+              </a:rPr>
+              <a:t>корзину</a:t>
+            </a:r>
+            <a:endParaRPr lang="en-US" sz="2599" dirty="0">
+              <a:solidFill>
+                <a:srgbClr val="FFFFFF"/>
+              </a:solidFill>
+              <a:latin typeface="Evolventa"/>
+            </a:endParaRPr>
           </a:p>
         </p:txBody>
       </p:sp>
@@ -5253,14 +6423,74 @@
               </a:spcBef>
             </a:pPr>
             <a:r>
-              <a:rPr lang="en-US" sz="2600">
+              <a:rPr lang="en-US" sz="2600" dirty="0" err="1">
                 <a:solidFill>
                   <a:srgbClr val="FFFFFF"/>
                 </a:solidFill>
                 <a:latin typeface="Evolventa"/>
               </a:rPr>
-              <a:t>Возможность редактировать свой профиль</a:t>
-            </a:r>
+              <a:t>Возможность</a:t>
+            </a:r>
+            <a:r>
+              <a:rPr lang="en-US" sz="2600" dirty="0">
+                <a:solidFill>
+                  <a:srgbClr val="FFFFFF"/>
+                </a:solidFill>
+                <a:latin typeface="Evolventa"/>
+              </a:rPr>
+              <a:t> </a:t>
+            </a:r>
+            <a:r>
+              <a:rPr lang="en-US" sz="2600" dirty="0" err="1">
+                <a:solidFill>
+                  <a:srgbClr val="FFFFFF"/>
+                </a:solidFill>
+                <a:latin typeface="Evolventa"/>
+              </a:rPr>
+              <a:t>редактировать</a:t>
+            </a:r>
+            <a:r>
+              <a:rPr lang="en-US" sz="2600" dirty="0">
+                <a:solidFill>
+                  <a:srgbClr val="FFFFFF"/>
+                </a:solidFill>
+                <a:latin typeface="Evolventa"/>
+              </a:rPr>
+              <a:t> </a:t>
+            </a:r>
+            <a:r>
+              <a:rPr lang="en-US" sz="2600" dirty="0" err="1">
+                <a:solidFill>
+                  <a:srgbClr val="FFFFFF"/>
+                </a:solidFill>
+                <a:latin typeface="Evolventa"/>
+              </a:rPr>
+              <a:t>свой</a:t>
+            </a:r>
+            <a:r>
+              <a:rPr lang="en-US" sz="2600" dirty="0">
+                <a:solidFill>
+                  <a:srgbClr val="FFFFFF"/>
+                </a:solidFill>
+                <a:latin typeface="Evolventa"/>
+              </a:rPr>
+              <a:t> </a:t>
+            </a:r>
+            <a:r>
+              <a:rPr lang="en-US" sz="2600" dirty="0" err="1">
+                <a:solidFill>
+                  <a:srgbClr val="FFFFFF"/>
+                </a:solidFill>
+                <a:latin typeface="Evolventa"/>
+              </a:rPr>
+              <a:t>профиль</a:t>
+            </a:r>
+            <a:endParaRPr lang="en-US" sz="2600" dirty="0">
+              <a:solidFill>
+                <a:srgbClr val="FFFFFF"/>
+              </a:solidFill>
+              <a:latin typeface="Evolventa"/>
+            </a:endParaRPr>
           </a:p>
         </p:txBody>
       </p:sp>
@@ -6049,7 +7279,7 @@
         </p:nvSpPr>
         <p:spPr>
           <a:xfrm>
-            <a:off x="1333054" y="7840144"/>
+            <a:off x="1333052" y="7845589"/>
             <a:ext cx="15621893" cy="1061708"/>
           </a:xfrm>
           <a:prstGeom prst="rect">
@@ -6167,7 +7397,7 @@
         </p:nvSpPr>
         <p:spPr>
           <a:xfrm>
-            <a:off x="1180339" y="3376175"/>
+            <a:off x="1180339" y="3343115"/>
             <a:ext cx="1568368" cy="1568368"/>
           </a:xfrm>
           <a:custGeom>
@@ -6213,7 +7443,7 @@
         </p:nvSpPr>
         <p:spPr>
           <a:xfrm>
-            <a:off x="3218843" y="6785615"/>
+            <a:off x="2363933" y="6757681"/>
             <a:ext cx="1471198" cy="1520695"/>
           </a:xfrm>
           <a:custGeom>
@@ -6259,7 +7489,7 @@
         </p:nvSpPr>
         <p:spPr>
           <a:xfrm>
-            <a:off x="6418134" y="3203415"/>
+            <a:off x="5562600" y="3256737"/>
             <a:ext cx="1834313" cy="1741127"/>
           </a:xfrm>
           <a:custGeom>
@@ -6305,7 +7535,7 @@
         </p:nvSpPr>
         <p:spPr>
           <a:xfrm>
-            <a:off x="9982422" y="6703210"/>
+            <a:off x="7197000" y="6576288"/>
             <a:ext cx="1835772" cy="1835772"/>
           </a:xfrm>
           <a:custGeom>
@@ -6351,7 +7581,7 @@
         </p:nvSpPr>
         <p:spPr>
           <a:xfrm>
-            <a:off x="12768196" y="3203415"/>
+            <a:off x="10432968" y="3256736"/>
             <a:ext cx="1741127" cy="1741127"/>
           </a:xfrm>
           <a:custGeom>
@@ -6388,6 +7618,13 @@
             </a:stretch>
           </a:blipFill>
         </p:spPr>
+        <p:txBody>
+          <a:bodyPr/>
+          <a:lstStyle/>
+          <a:p>
+            <a:endParaRPr lang="en-US" dirty="0"/>
+          </a:p>
+        </p:txBody>
       </p:sp>
       <p:sp>
         <p:nvSpPr>
@@ -6397,7 +7634,7 @@
         </p:nvSpPr>
         <p:spPr>
           <a:xfrm>
-            <a:off x="15062730" y="6852572"/>
+            <a:off x="12573000" y="6620960"/>
             <a:ext cx="1768815" cy="1768815"/>
           </a:xfrm>
           <a:custGeom>
@@ -6434,6 +7671,13 @@
             </a:stretch>
           </a:blipFill>
         </p:spPr>
+        <p:txBody>
+          <a:bodyPr/>
+          <a:lstStyle/>
+          <a:p>
+            <a:endParaRPr lang="en-US" dirty="0"/>
+          </a:p>
+        </p:txBody>
       </p:sp>
       <p:sp>
         <p:nvSpPr>
@@ -6522,7 +7766,7 @@
         </p:nvSpPr>
         <p:spPr>
           <a:xfrm>
-            <a:off x="2703223" y="8621387"/>
+            <a:off x="1885098" y="8307301"/>
             <a:ext cx="2371615" cy="874085"/>
           </a:xfrm>
           <a:prstGeom prst="rect">
@@ -6563,7 +7807,7 @@
         </p:nvSpPr>
         <p:spPr>
           <a:xfrm>
-            <a:off x="4419601" y="5362700"/>
+            <a:off x="3698345" y="5383385"/>
             <a:ext cx="5562822" cy="874278"/>
           </a:xfrm>
           <a:prstGeom prst="rect">
@@ -6604,7 +7848,7 @@
         </p:nvSpPr>
         <p:spPr>
           <a:xfrm>
-            <a:off x="9057145" y="8621387"/>
+            <a:off x="6271724" y="8535021"/>
             <a:ext cx="3686324" cy="923925"/>
           </a:xfrm>
           <a:prstGeom prst="rect">
@@ -6626,14 +7870,38 @@
               </a:spcBef>
             </a:pPr>
             <a:r>
-              <a:rPr lang="en-US" sz="6069">
+              <a:rPr lang="en-US" sz="6069" dirty="0" err="1">
                 <a:solidFill>
                   <a:srgbClr val="FFFFFF"/>
                 </a:solidFill>
                 <a:latin typeface="Jura Bold"/>
               </a:rPr>
-              <a:t>Platzi Api</a:t>
-            </a:r>
+              <a:t>Platzi</a:t>
+            </a:r>
+            <a:r>
+              <a:rPr lang="en-US" sz="6069" dirty="0">
+                <a:solidFill>
+                  <a:srgbClr val="FFFFFF"/>
+                </a:solidFill>
+                <a:latin typeface="Jura Bold"/>
+              </a:rPr>
+              <a:t> </a:t>
+            </a:r>
+            <a:r>
+              <a:rPr lang="en-US" sz="6069" dirty="0" err="1">
+                <a:solidFill>
+                  <a:srgbClr val="FFFFFF"/>
+                </a:solidFill>
+                <a:latin typeface="Jura Bold"/>
+              </a:rPr>
+              <a:t>Api</a:t>
+            </a:r>
+            <a:endParaRPr lang="en-US" sz="6069" dirty="0">
+              <a:solidFill>
+                <a:srgbClr val="FFFFFF"/>
+              </a:solidFill>
+              <a:latin typeface="Jura Bold"/>
+            </a:endParaRPr>
           </a:p>
         </p:txBody>
       </p:sp>
@@ -6645,7 +7913,7 @@
         </p:nvSpPr>
         <p:spPr>
           <a:xfrm>
-            <a:off x="12039600" y="5073339"/>
+            <a:off x="9827306" y="5108660"/>
             <a:ext cx="2952453" cy="874278"/>
           </a:xfrm>
           <a:prstGeom prst="rect">
@@ -6686,7 +7954,7 @@
         </p:nvSpPr>
         <p:spPr>
           <a:xfrm>
-            <a:off x="15404064" y="8538982"/>
+            <a:off x="12914333" y="8744343"/>
             <a:ext cx="1086148" cy="923925"/>
           </a:xfrm>
           <a:prstGeom prst="rect">
@@ -6708,7 +7976,7 @@
               </a:spcBef>
             </a:pPr>
             <a:r>
-              <a:rPr lang="en-US" sz="6069">
+              <a:rPr lang="en-US" sz="6069" dirty="0">
                 <a:solidFill>
                   <a:srgbClr val="FFFFFF"/>
                 </a:solidFill>
@@ -6719,6 +7987,42 @@
           </a:p>
         </p:txBody>
       </p:sp>
+      <p:pic>
+        <p:nvPicPr>
+          <p:cNvPr id="22" name="Рисунок 21">
+            <a:extLst>
+              <a:ext uri="{FF2B5EF4-FFF2-40B4-BE49-F238E27FC236}">
+                <a16:creationId xmlns:a16="http://schemas.microsoft.com/office/drawing/2014/main" id="{60F1E1B7-FF25-4A03-A26D-9289A888D331}"/>
+              </a:ext>
+            </a:extLst>
+          </p:cNvPr>
+          <p:cNvPicPr>
+            <a:picLocks noChangeAspect="1"/>
+          </p:cNvPicPr>
+          <p:nvPr/>
+        </p:nvPicPr>
+        <p:blipFill>
+          <a:blip r:embed="rId9">
+            <a:extLst>
+              <a:ext uri="{28A0092B-C50C-407E-A947-70E740481C1C}">
+                <a14:useLocalDpi xmlns:a14="http://schemas.microsoft.com/office/drawing/2010/main" val="0"/>
+              </a:ext>
+            </a:extLst>
+          </a:blip>
+          <a:stretch>
+            <a:fillRect/>
+          </a:stretch>
+        </p:blipFill>
+        <p:spPr>
+          <a:xfrm>
+            <a:off x="13831575" y="3728254"/>
+            <a:ext cx="3808799" cy="1996336"/>
+          </a:xfrm>
+          <a:prstGeom prst="rect">
+            <a:avLst/>
+          </a:prstGeom>
+        </p:spPr>
+      </p:pic>
     </p:spTree>
   </p:cSld>
   <p:clrMapOvr>
